--- a/assets/files/Breach-Presentation.pptx
+++ b/assets/files/Breach-Presentation.pptx
@@ -5994,7 +5994,7 @@
           <p:nvPr>
             <p:extLst>
               <p:ext uri="{D42A27DB-BD31-4B8C-83A1-F6EECF244321}">
-                <p14:modId xmlns:p14="http://schemas.microsoft.com/office/powerpoint/2010/main" val="4130443933"/>
+                <p14:modId xmlns:p14="http://schemas.microsoft.com/office/powerpoint/2010/main" val="209116479"/>
               </p:ext>
             </p:extLst>
           </p:nvPr>
@@ -6136,6 +6136,43 @@
                           <a:effectLst/>
                         </a:rPr>
                         <a:t>Catastrophic</a:t>
+                      </a:r>
+                    </a:p>
+                    <a:p>
+                      <a:pPr marL="457200">
+                        <a:lnSpc>
+                          <a:spcPct val="107000"/>
+                        </a:lnSpc>
+                        <a:spcAft>
+                          <a:spcPts val="0"/>
+                        </a:spcAft>
+                      </a:pPr>
+                      <a:r>
+                        <a:rPr lang="en-US" sz="1100" dirty="0">
+                          <a:effectLst/>
+                          <a:latin typeface="Calibri" panose="020F0502020204030204" pitchFamily="34" charset="0"/>
+                          <a:ea typeface="Calibri" panose="020F0502020204030204" pitchFamily="34" charset="0"/>
+                          <a:cs typeface="Arial" panose="020B0604020202020204" pitchFamily="34" charset="0"/>
+                        </a:rPr>
+                        <a:t>(Complete loss </a:t>
+                      </a:r>
+                      <a:r>
+                        <a:rPr lang="en-US" sz="1100">
+                          <a:effectLst/>
+                          <a:latin typeface="Calibri" panose="020F0502020204030204" pitchFamily="34" charset="0"/>
+                          <a:ea typeface="Calibri" panose="020F0502020204030204" pitchFamily="34" charset="0"/>
+                          <a:cs typeface="Arial" panose="020B0604020202020204" pitchFamily="34" charset="0"/>
+                        </a:rPr>
+                        <a:t>of system functionality</a:t>
+                      </a:r>
+                      <a:r>
+                        <a:rPr lang="en-US" sz="1100" dirty="0">
+                          <a:effectLst/>
+                          <a:latin typeface="Calibri" panose="020F0502020204030204" pitchFamily="34" charset="0"/>
+                          <a:ea typeface="Calibri" panose="020F0502020204030204" pitchFamily="34" charset="0"/>
+                          <a:cs typeface="Arial" panose="020B0604020202020204" pitchFamily="34" charset="0"/>
+                        </a:rPr>
+                        <a:t>)</a:t>
                       </a:r>
                       <a:endParaRPr lang="en-AU" sz="1100" dirty="0">
                         <a:effectLst/>
@@ -6283,12 +6320,31 @@
                         </a:spcAft>
                       </a:pPr>
                       <a:r>
-                        <a:rPr lang="en-US" sz="1100">
+                        <a:rPr lang="en-US" sz="1100" dirty="0">
                           <a:effectLst/>
                         </a:rPr>
                         <a:t>Serious</a:t>
                       </a:r>
-                      <a:endParaRPr lang="en-AU" sz="1100">
+                    </a:p>
+                    <a:p>
+                      <a:pPr marL="457200">
+                        <a:lnSpc>
+                          <a:spcPct val="107000"/>
+                        </a:lnSpc>
+                        <a:spcAft>
+                          <a:spcPts val="0"/>
+                        </a:spcAft>
+                      </a:pPr>
+                      <a:r>
+                        <a:rPr lang="en-US" sz="1100" dirty="0">
+                          <a:effectLst/>
+                          <a:latin typeface="Calibri" panose="020F0502020204030204" pitchFamily="34" charset="0"/>
+                          <a:ea typeface="Calibri" panose="020F0502020204030204" pitchFamily="34" charset="0"/>
+                          <a:cs typeface="Arial" panose="020B0604020202020204" pitchFamily="34" charset="0"/>
+                        </a:rPr>
+                        <a:t>(Major functionality loss of the system)</a:t>
+                      </a:r>
+                      <a:endParaRPr lang="en-AU" sz="1100" dirty="0">
                         <a:effectLst/>
                         <a:latin typeface="Calibri" panose="020F0502020204030204" pitchFamily="34" charset="0"/>
                         <a:ea typeface="Calibri" panose="020F0502020204030204" pitchFamily="34" charset="0"/>
@@ -6413,12 +6469,31 @@
                         </a:spcAft>
                       </a:pPr>
                       <a:r>
-                        <a:rPr lang="en-US" sz="1100">
+                        <a:rPr lang="en-US" sz="1100" dirty="0">
                           <a:effectLst/>
                         </a:rPr>
                         <a:t>Moderate</a:t>
                       </a:r>
-                      <a:endParaRPr lang="en-AU" sz="1100">
+                    </a:p>
+                    <a:p>
+                      <a:pPr marL="457200">
+                        <a:lnSpc>
+                          <a:spcPct val="107000"/>
+                        </a:lnSpc>
+                        <a:spcAft>
+                          <a:spcPts val="0"/>
+                        </a:spcAft>
+                      </a:pPr>
+                      <a:r>
+                        <a:rPr lang="en-US" sz="1100" dirty="0">
+                          <a:effectLst/>
+                          <a:latin typeface="Calibri" panose="020F0502020204030204" pitchFamily="34" charset="0"/>
+                          <a:ea typeface="Calibri" panose="020F0502020204030204" pitchFamily="34" charset="0"/>
+                          <a:cs typeface="Arial" panose="020B0604020202020204" pitchFamily="34" charset="0"/>
+                        </a:rPr>
+                        <a:t>(Some functionality loss of the system)</a:t>
+                      </a:r>
+                      <a:endParaRPr lang="en-AU" sz="1100" dirty="0">
                         <a:effectLst/>
                         <a:latin typeface="Calibri" panose="020F0502020204030204" pitchFamily="34" charset="0"/>
                         <a:ea typeface="Calibri" panose="020F0502020204030204" pitchFamily="34" charset="0"/>
@@ -6444,12 +6519,12 @@
                         <a:buChar char="-"/>
                       </a:pPr>
                       <a:r>
-                        <a:rPr lang="en-US" sz="1100">
+                        <a:rPr lang="en-US" sz="1100" dirty="0">
                           <a:effectLst/>
                         </a:rPr>
                         <a:t>A Breach office being bombed.</a:t>
                       </a:r>
-                      <a:endParaRPr lang="en-AU" sz="1100">
+                      <a:endParaRPr lang="en-AU" sz="1100" dirty="0">
                         <a:effectLst/>
                       </a:endParaRPr>
                     </a:p>
@@ -6465,12 +6540,12 @@
                         <a:buChar char="-"/>
                       </a:pPr>
                       <a:r>
-                        <a:rPr lang="en-US" sz="1100">
+                        <a:rPr lang="en-US" sz="1100" dirty="0">
                           <a:effectLst/>
                         </a:rPr>
                         <a:t>A Breach server being bombed.</a:t>
                       </a:r>
-                      <a:endParaRPr lang="en-AU" sz="1100">
+                      <a:endParaRPr lang="en-AU" sz="1100" dirty="0">
                         <a:effectLst/>
                       </a:endParaRPr>
                     </a:p>
@@ -6486,12 +6561,12 @@
                         <a:buChar char="-"/>
                       </a:pPr>
                       <a:r>
-                        <a:rPr lang="en-US" sz="1100">
+                        <a:rPr lang="en-US" sz="1100" dirty="0">
                           <a:effectLst/>
                         </a:rPr>
                         <a:t>Breach employees being targeted and killed.</a:t>
                       </a:r>
-                      <a:endParaRPr lang="en-AU" sz="1100">
+                      <a:endParaRPr lang="en-AU" sz="1100" dirty="0">
                         <a:effectLst/>
                       </a:endParaRPr>
                     </a:p>
@@ -6507,12 +6582,12 @@
                         <a:buChar char="-"/>
                       </a:pPr>
                       <a:r>
-                        <a:rPr lang="en-US" sz="1100">
+                        <a:rPr lang="en-US" sz="1100" dirty="0">
                           <a:effectLst/>
                         </a:rPr>
                         <a:t>Malicious staff.</a:t>
                       </a:r>
-                      <a:endParaRPr lang="en-AU" sz="1100">
+                      <a:endParaRPr lang="en-AU" sz="1100" dirty="0">
                         <a:effectLst/>
                       </a:endParaRPr>
                     </a:p>
@@ -6528,12 +6603,12 @@
                         <a:buChar char="-"/>
                       </a:pPr>
                       <a:r>
-                        <a:rPr lang="en-US" sz="1100">
+                        <a:rPr lang="en-US" sz="1100" dirty="0">
                           <a:effectLst/>
                         </a:rPr>
                         <a:t>Lack of clear process.</a:t>
                       </a:r>
-                      <a:endParaRPr lang="en-AU" sz="1100">
+                      <a:endParaRPr lang="en-AU" sz="1100" dirty="0">
                         <a:effectLst/>
                       </a:endParaRPr>
                     </a:p>
@@ -6549,12 +6624,12 @@
                         <a:buChar char="-"/>
                       </a:pPr>
                       <a:r>
-                        <a:rPr lang="en-US" sz="1100">
+                        <a:rPr lang="en-US" sz="1100" dirty="0">
                           <a:effectLst/>
                         </a:rPr>
                         <a:t>Engineering mistakes or ageing resulting a weakened structure integrity of Breach offices or servers.</a:t>
                       </a:r>
-                      <a:endParaRPr lang="en-AU" sz="1100">
+                      <a:endParaRPr lang="en-AU" sz="1100" dirty="0">
                         <a:effectLst/>
                         <a:latin typeface="Calibri" panose="020F0502020204030204" pitchFamily="34" charset="0"/>
                         <a:ea typeface="Calibri" panose="020F0502020204030204" pitchFamily="34" charset="0"/>
@@ -6585,12 +6660,31 @@
                         </a:spcAft>
                       </a:pPr>
                       <a:r>
-                        <a:rPr lang="en-US" sz="1100">
+                        <a:rPr lang="en-US" sz="1100" dirty="0">
                           <a:effectLst/>
                         </a:rPr>
                         <a:t>Minor</a:t>
                       </a:r>
-                      <a:endParaRPr lang="en-AU" sz="1100">
+                    </a:p>
+                    <a:p>
+                      <a:pPr marL="457200">
+                        <a:lnSpc>
+                          <a:spcPct val="107000"/>
+                        </a:lnSpc>
+                        <a:spcAft>
+                          <a:spcPts val="0"/>
+                        </a:spcAft>
+                      </a:pPr>
+                      <a:r>
+                        <a:rPr lang="en-US" sz="1100" dirty="0">
+                          <a:effectLst/>
+                          <a:latin typeface="Calibri" panose="020F0502020204030204" pitchFamily="34" charset="0"/>
+                          <a:ea typeface="Calibri" panose="020F0502020204030204" pitchFamily="34" charset="0"/>
+                          <a:cs typeface="Arial" panose="020B0604020202020204" pitchFamily="34" charset="0"/>
+                        </a:rPr>
+                        <a:t>(Easily fixable)</a:t>
+                      </a:r>
+                      <a:endParaRPr lang="en-AU" sz="1100" dirty="0">
                         <a:effectLst/>
                         <a:latin typeface="Calibri" panose="020F0502020204030204" pitchFamily="34" charset="0"/>
                         <a:ea typeface="Calibri" panose="020F0502020204030204" pitchFamily="34" charset="0"/>
@@ -6616,12 +6710,12 @@
                         <a:buChar char="-"/>
                       </a:pPr>
                       <a:r>
-                        <a:rPr lang="en-US" sz="1100">
+                        <a:rPr lang="en-US" sz="1100" dirty="0">
                           <a:effectLst/>
                         </a:rPr>
                         <a:t>Flooding of Breach offices or servers.</a:t>
                       </a:r>
-                      <a:endParaRPr lang="en-AU" sz="1100">
+                      <a:endParaRPr lang="en-AU" sz="1100" dirty="0">
                         <a:effectLst/>
                       </a:endParaRPr>
                     </a:p>
@@ -6637,12 +6731,12 @@
                         <a:buChar char="-"/>
                       </a:pPr>
                       <a:r>
-                        <a:rPr lang="en-US" sz="1100">
+                        <a:rPr lang="en-US" sz="1100" dirty="0">
                           <a:effectLst/>
                         </a:rPr>
                         <a:t>Earthquake of Breach offices or servers.</a:t>
                       </a:r>
-                      <a:endParaRPr lang="en-AU" sz="1100">
+                      <a:endParaRPr lang="en-AU" sz="1100" dirty="0">
                         <a:effectLst/>
                       </a:endParaRPr>
                     </a:p>
@@ -6658,12 +6752,12 @@
                         <a:buChar char="-"/>
                       </a:pPr>
                       <a:r>
-                        <a:rPr lang="en-US" sz="1100">
+                        <a:rPr lang="en-US" sz="1100" dirty="0">
                           <a:effectLst/>
                         </a:rPr>
                         <a:t>Lack of clear training.</a:t>
                       </a:r>
-                      <a:endParaRPr lang="en-AU" sz="1100">
+                      <a:endParaRPr lang="en-AU" sz="1100" dirty="0">
                         <a:effectLst/>
                         <a:latin typeface="Calibri" panose="020F0502020204030204" pitchFamily="34" charset="0"/>
                         <a:ea typeface="Calibri" panose="020F0502020204030204" pitchFamily="34" charset="0"/>
@@ -6694,12 +6788,28 @@
                         </a:spcAft>
                       </a:pPr>
                       <a:r>
-                        <a:rPr lang="en-US" sz="1100">
+                        <a:rPr lang="en-US" sz="1100" dirty="0">
                           <a:effectLst/>
                         </a:rPr>
                         <a:t>Insignificant</a:t>
                       </a:r>
-                      <a:endParaRPr lang="en-AU" sz="1100">
+                    </a:p>
+                    <a:p>
+                      <a:pPr marL="457200">
+                        <a:lnSpc>
+                          <a:spcPct val="107000"/>
+                        </a:lnSpc>
+                        <a:spcAft>
+                          <a:spcPts val="0"/>
+                        </a:spcAft>
+                      </a:pPr>
+                      <a:r>
+                        <a:rPr lang="en-US" sz="1100" dirty="0">
+                          <a:effectLst/>
+                        </a:rPr>
+                        <a:t>(A small inconvenience)</a:t>
+                      </a:r>
+                      <a:endParaRPr lang="en-AU" sz="1100" dirty="0">
                         <a:effectLst/>
                         <a:latin typeface="Calibri" panose="020F0502020204030204" pitchFamily="34" charset="0"/>
                         <a:ea typeface="Calibri" panose="020F0502020204030204" pitchFamily="34" charset="0"/>
@@ -6749,7 +6859,7 @@
                         <a:rPr lang="en-US" sz="1100" dirty="0">
                           <a:effectLst/>
                         </a:rPr>
-                        <a:t>Electrical or magnetic interference.</a:t>
+                        <a:t>Electrical or magnetic interference. (Low exposure)</a:t>
                       </a:r>
                       <a:endParaRPr lang="en-AU" sz="1100" dirty="0">
                         <a:effectLst/>

--- a/assets/files/Breach-Presentation.pptx
+++ b/assets/files/Breach-Presentation.pptx
@@ -5994,14 +5994,14 @@
           <p:nvPr>
             <p:extLst>
               <p:ext uri="{D42A27DB-BD31-4B8C-83A1-F6EECF244321}">
-                <p14:modId xmlns:p14="http://schemas.microsoft.com/office/powerpoint/2010/main" val="209116479"/>
+                <p14:modId xmlns:p14="http://schemas.microsoft.com/office/powerpoint/2010/main" val="3302997019"/>
               </p:ext>
             </p:extLst>
           </p:nvPr>
         </p:nvGraphicFramePr>
         <p:xfrm>
           <a:off x="838200" y="1433068"/>
-          <a:ext cx="10515599" cy="5144321"/>
+          <a:ext cx="10515599" cy="5323708"/>
         </p:xfrm>
         <a:graphic>
           <a:graphicData uri="http://schemas.openxmlformats.org/drawingml/2006/table">
@@ -6629,6 +6629,36 @@
                         </a:rPr>
                         <a:t>Engineering mistakes or ageing resulting a weakened structure integrity of Breach offices or servers.</a:t>
                       </a:r>
+                    </a:p>
+                    <a:p>
+                      <a:pPr marL="342900" lvl="0" indent="-342900">
+                        <a:lnSpc>
+                          <a:spcPct val="107000"/>
+                        </a:lnSpc>
+                        <a:spcAft>
+                          <a:spcPts val="0"/>
+                        </a:spcAft>
+                        <a:buFont typeface="Calibri" panose="020F0502020204030204" pitchFamily="34" charset="0"/>
+                        <a:buChar char="-"/>
+                      </a:pPr>
+                      <a:r>
+                        <a:rPr lang="en-US" sz="1100" dirty="0">
+                          <a:effectLst/>
+                          <a:latin typeface="Calibri" panose="020F0502020204030204" pitchFamily="34" charset="0"/>
+                          <a:ea typeface="Calibri" panose="020F0502020204030204" pitchFamily="34" charset="0"/>
+                          <a:cs typeface="Arial" panose="020B0604020202020204" pitchFamily="34" charset="0"/>
+                        </a:rPr>
+                        <a:t>Website down (Website is cached </a:t>
+                      </a:r>
+                      <a:r>
+                        <a:rPr lang="en-US" sz="1100">
+                          <a:effectLst/>
+                          <a:latin typeface="Calibri" panose="020F0502020204030204" pitchFamily="34" charset="0"/>
+                          <a:ea typeface="Calibri" panose="020F0502020204030204" pitchFamily="34" charset="0"/>
+                          <a:cs typeface="Arial" panose="020B0604020202020204" pitchFamily="34" charset="0"/>
+                        </a:rPr>
+                        <a:t>using Cloudflare)</a:t>
+                      </a:r>
                       <a:endParaRPr lang="en-AU" sz="1100" dirty="0">
                         <a:effectLst/>
                         <a:latin typeface="Calibri" panose="020F0502020204030204" pitchFamily="34" charset="0"/>
